--- a/documentation/cs7700/Hendrix_CS7700_Project_Presentation.pptx
+++ b/documentation/cs7700/Hendrix_CS7700_Project_Presentation.pptx
@@ -118,6 +118,11 @@
       </a:defRPr>
     </a:lvl9pPr>
   </p:defaultTextStyle>
+  <p:extLst>
+    <p:ext uri="{EFAFB233-063F-42B5-8137-9DF3F51BA10A}">
+      <p15:sldGuideLst xmlns:p15="http://schemas.microsoft.com/office/powerpoint/2012/main"/>
+    </p:ext>
+  </p:extLst>
 </p:presentation>
 </file>
 
@@ -252,7 +257,7 @@
           <a:p>
             <a:fld id="{2DCAD525-AE44-4F9E-9640-49B3E2B77475}" type="datetimeFigureOut">
               <a:rPr lang="en-US" smtClean="0"/>
-              <a:t>7/27/2015</a:t>
+              <a:t>7/28/2015</a:t>
             </a:fld>
             <a:endParaRPr lang="en-US"/>
           </a:p>
@@ -422,7 +427,7 @@
           <a:p>
             <a:fld id="{2DCAD525-AE44-4F9E-9640-49B3E2B77475}" type="datetimeFigureOut">
               <a:rPr lang="en-US" smtClean="0"/>
-              <a:t>7/27/2015</a:t>
+              <a:t>7/28/2015</a:t>
             </a:fld>
             <a:endParaRPr lang="en-US"/>
           </a:p>
@@ -602,7 +607,7 @@
           <a:p>
             <a:fld id="{2DCAD525-AE44-4F9E-9640-49B3E2B77475}" type="datetimeFigureOut">
               <a:rPr lang="en-US" smtClean="0"/>
-              <a:t>7/27/2015</a:t>
+              <a:t>7/28/2015</a:t>
             </a:fld>
             <a:endParaRPr lang="en-US"/>
           </a:p>
@@ -772,7 +777,7 @@
           <a:p>
             <a:fld id="{2DCAD525-AE44-4F9E-9640-49B3E2B77475}" type="datetimeFigureOut">
               <a:rPr lang="en-US" smtClean="0"/>
-              <a:t>7/27/2015</a:t>
+              <a:t>7/28/2015</a:t>
             </a:fld>
             <a:endParaRPr lang="en-US"/>
           </a:p>
@@ -1018,7 +1023,7 @@
           <a:p>
             <a:fld id="{2DCAD525-AE44-4F9E-9640-49B3E2B77475}" type="datetimeFigureOut">
               <a:rPr lang="en-US" smtClean="0"/>
-              <a:t>7/27/2015</a:t>
+              <a:t>7/28/2015</a:t>
             </a:fld>
             <a:endParaRPr lang="en-US"/>
           </a:p>
@@ -1250,7 +1255,7 @@
           <a:p>
             <a:fld id="{2DCAD525-AE44-4F9E-9640-49B3E2B77475}" type="datetimeFigureOut">
               <a:rPr lang="en-US" smtClean="0"/>
-              <a:t>7/27/2015</a:t>
+              <a:t>7/28/2015</a:t>
             </a:fld>
             <a:endParaRPr lang="en-US"/>
           </a:p>
@@ -1617,7 +1622,7 @@
           <a:p>
             <a:fld id="{2DCAD525-AE44-4F9E-9640-49B3E2B77475}" type="datetimeFigureOut">
               <a:rPr lang="en-US" smtClean="0"/>
-              <a:t>7/27/2015</a:t>
+              <a:t>7/28/2015</a:t>
             </a:fld>
             <a:endParaRPr lang="en-US"/>
           </a:p>
@@ -1735,7 +1740,7 @@
           <a:p>
             <a:fld id="{2DCAD525-AE44-4F9E-9640-49B3E2B77475}" type="datetimeFigureOut">
               <a:rPr lang="en-US" smtClean="0"/>
-              <a:t>7/27/2015</a:t>
+              <a:t>7/28/2015</a:t>
             </a:fld>
             <a:endParaRPr lang="en-US"/>
           </a:p>
@@ -1830,7 +1835,7 @@
           <a:p>
             <a:fld id="{2DCAD525-AE44-4F9E-9640-49B3E2B77475}" type="datetimeFigureOut">
               <a:rPr lang="en-US" smtClean="0"/>
-              <a:t>7/27/2015</a:t>
+              <a:t>7/28/2015</a:t>
             </a:fld>
             <a:endParaRPr lang="en-US"/>
           </a:p>
@@ -2107,7 +2112,7 @@
           <a:p>
             <a:fld id="{2DCAD525-AE44-4F9E-9640-49B3E2B77475}" type="datetimeFigureOut">
               <a:rPr lang="en-US" smtClean="0"/>
-              <a:t>7/27/2015</a:t>
+              <a:t>7/28/2015</a:t>
             </a:fld>
             <a:endParaRPr lang="en-US"/>
           </a:p>
@@ -2360,7 +2365,7 @@
           <a:p>
             <a:fld id="{2DCAD525-AE44-4F9E-9640-49B3E2B77475}" type="datetimeFigureOut">
               <a:rPr lang="en-US" smtClean="0"/>
-              <a:t>7/27/2015</a:t>
+              <a:t>7/28/2015</a:t>
             </a:fld>
             <a:endParaRPr lang="en-US"/>
           </a:p>
@@ -2573,7 +2578,7 @@
           <a:p>
             <a:fld id="{2DCAD525-AE44-4F9E-9640-49B3E2B77475}" type="datetimeFigureOut">
               <a:rPr lang="en-US" smtClean="0"/>
-              <a:t>7/27/2015</a:t>
+              <a:t>7/28/2015</a:t>
             </a:fld>
             <a:endParaRPr lang="en-US"/>
           </a:p>
@@ -2990,7 +2995,7 @@
         </p:nvSpPr>
         <p:spPr>
           <a:xfrm>
-            <a:off x="1524000" y="747790"/>
+            <a:off x="1524000" y="384233"/>
             <a:ext cx="9144000" cy="2387600"/>
           </a:xfrm>
         </p:spPr>
@@ -3025,13 +3030,13 @@
         </p:nvSpPr>
         <p:spPr>
           <a:xfrm>
-            <a:off x="1524000" y="3238959"/>
-            <a:ext cx="9144000" cy="2985571"/>
+            <a:off x="1524000" y="2771833"/>
+            <a:ext cx="9144000" cy="3452697"/>
           </a:xfrm>
         </p:spPr>
         <p:txBody>
           <a:bodyPr>
-            <a:normAutofit/>
+            <a:normAutofit lnSpcReduction="10000"/>
           </a:bodyPr>
           <a:lstStyle/>
           <a:p>
@@ -3067,8 +3072,33 @@
           <a:p>
             <a:r>
               <a:rPr lang="en-US" dirty="0" smtClean="0"/>
-              <a:t>Department of Computer Science &amp; Engineering</a:t>
-            </a:r>
+              <a:t>Department of Computer Science &amp; </a:t>
+            </a:r>
+            <a:r>
+              <a:rPr lang="en-US" dirty="0" smtClean="0"/>
+              <a:t>Engineering</a:t>
+            </a:r>
+          </a:p>
+          <a:p>
+            <a:r>
+              <a:rPr lang="en-US" dirty="0" smtClean="0"/>
+              <a:t>Code &amp; documentation, including this PowerPoint, available at:</a:t>
+            </a:r>
+          </a:p>
+          <a:p>
+            <a:r>
+              <a:rPr lang="en-US" dirty="0">
+                <a:hlinkClick r:id="rId2"/>
+              </a:rPr>
+              <a:t>https://</a:t>
+            </a:r>
+            <a:r>
+              <a:rPr lang="en-US" dirty="0" smtClean="0">
+                <a:hlinkClick r:id="rId2"/>
+              </a:rPr>
+              <a:t>github.com/hendrixjoseph/FamilyTree</a:t>
+            </a:r>
+            <a:endParaRPr lang="en-US" dirty="0" smtClean="0"/>
           </a:p>
           <a:p>
             <a:endParaRPr lang="en-US" dirty="0"/>

--- a/documentation/cs7700/Hendrix_CS7700_Project_Presentation.pptx
+++ b/documentation/cs7700/Hendrix_CS7700_Project_Presentation.pptx
@@ -15,11 +15,12 @@
     <p:sldId id="263" r:id="rId9"/>
     <p:sldId id="264" r:id="rId10"/>
     <p:sldId id="265" r:id="rId11"/>
-    <p:sldId id="266" r:id="rId12"/>
-    <p:sldId id="267" r:id="rId13"/>
-    <p:sldId id="268" r:id="rId14"/>
-    <p:sldId id="269" r:id="rId15"/>
-    <p:sldId id="270" r:id="rId16"/>
+    <p:sldId id="270" r:id="rId12"/>
+    <p:sldId id="266" r:id="rId13"/>
+    <p:sldId id="267" r:id="rId14"/>
+    <p:sldId id="268" r:id="rId15"/>
+    <p:sldId id="269" r:id="rId16"/>
+    <p:sldId id="271" r:id="rId17"/>
   </p:sldIdLst>
   <p:sldSz cx="12192000" cy="6858000"/>
   <p:notesSz cx="6858000" cy="9144000"/>
@@ -3072,11 +3073,7 @@
           <a:p>
             <a:r>
               <a:rPr lang="en-US" dirty="0" smtClean="0"/>
-              <a:t>Department of Computer Science &amp; </a:t>
-            </a:r>
-            <a:r>
-              <a:rPr lang="en-US" dirty="0" smtClean="0"/>
-              <a:t>Engineering</a:t>
+              <a:t>Department of Computer Science &amp; Engineering</a:t>
             </a:r>
           </a:p>
           <a:p>
@@ -3245,6 +3242,158 @@
           <a:p>
             <a:r>
               <a:rPr lang="en-US" dirty="0" smtClean="0"/>
+              <a:t>Import Example</a:t>
+            </a:r>
+            <a:endParaRPr lang="en-US" dirty="0"/>
+          </a:p>
+        </p:txBody>
+      </p:sp>
+      <p:sp>
+        <p:nvSpPr>
+          <p:cNvPr id="3" name="Content Placeholder 2"/>
+          <p:cNvSpPr>
+            <a:spLocks noGrp="1"/>
+          </p:cNvSpPr>
+          <p:nvPr>
+            <p:ph sz="half" idx="1"/>
+          </p:nvPr>
+        </p:nvSpPr>
+        <p:spPr/>
+        <p:txBody>
+          <a:bodyPr/>
+          <a:lstStyle/>
+          <a:p>
+            <a:r>
+              <a:rPr lang="en-US" dirty="0" smtClean="0"/>
+              <a:t>First clear database:</a:t>
+            </a:r>
+          </a:p>
+          <a:p>
+            <a:pPr lvl="1"/>
+            <a:r>
+              <a:rPr lang="en-US" dirty="0" smtClean="0"/>
+              <a:t>DELETE FROM PERSON;</a:t>
+            </a:r>
+          </a:p>
+          <a:p>
+            <a:pPr lvl="1"/>
+            <a:r>
+              <a:rPr lang="en-US" dirty="0" smtClean="0"/>
+              <a:t>DELETE FROM PLACE;</a:t>
+            </a:r>
+          </a:p>
+          <a:p>
+            <a:r>
+              <a:rPr lang="en-US" dirty="0" smtClean="0"/>
+              <a:t>Then:</a:t>
+            </a:r>
+          </a:p>
+          <a:p>
+            <a:pPr lvl="1"/>
+            <a:r>
+              <a:rPr lang="en-US" dirty="0" smtClean="0"/>
+              <a:t>Run GedcomImporter.java</a:t>
+            </a:r>
+          </a:p>
+          <a:p>
+            <a:r>
+              <a:rPr lang="en-US" dirty="0" smtClean="0"/>
+              <a:t>May need to reset Oracle if </a:t>
+            </a:r>
+            <a:r>
+              <a:rPr lang="en-US" dirty="0" err="1" smtClean="0"/>
+              <a:t>sqldeveloper</a:t>
+            </a:r>
+            <a:r>
+              <a:rPr lang="en-US" dirty="0" smtClean="0"/>
+              <a:t> locked a row….</a:t>
+            </a:r>
+          </a:p>
+          <a:p>
+            <a:endParaRPr lang="en-US" dirty="0"/>
+          </a:p>
+        </p:txBody>
+      </p:sp>
+      <p:pic>
+        <p:nvPicPr>
+          <p:cNvPr id="5" name="Content Placeholder 4"/>
+          <p:cNvPicPr>
+            <a:picLocks noGrp="1" noChangeAspect="1"/>
+          </p:cNvPicPr>
+          <p:nvPr>
+            <p:ph sz="half" idx="2"/>
+          </p:nvPr>
+        </p:nvPicPr>
+        <p:blipFill>
+          <a:blip r:embed="rId2"/>
+          <a:stretch>
+            <a:fillRect/>
+          </a:stretch>
+        </p:blipFill>
+        <p:spPr>
+          <a:xfrm>
+            <a:off x="6172200" y="2608739"/>
+            <a:ext cx="5181600" cy="2785110"/>
+          </a:xfrm>
+          <a:prstGeom prst="rect">
+            <a:avLst/>
+          </a:prstGeom>
+        </p:spPr>
+      </p:pic>
+    </p:spTree>
+    <p:extLst>
+      <p:ext uri="{BB962C8B-B14F-4D97-AF65-F5344CB8AC3E}">
+        <p14:creationId xmlns:p14="http://schemas.microsoft.com/office/powerpoint/2010/main" val="1488637982"/>
+      </p:ext>
+    </p:extLst>
+  </p:cSld>
+  <p:clrMapOvr>
+    <a:masterClrMapping/>
+  </p:clrMapOvr>
+  <p:timing>
+    <p:tnLst>
+      <p:par>
+        <p:cTn id="1" dur="indefinite" restart="never" nodeType="tmRoot"/>
+      </p:par>
+    </p:tnLst>
+  </p:timing>
+</p:sld>
+</file>
+
+<file path=ppt/slides/slide12.xml><?xml version="1.0" encoding="utf-8"?>
+<p:sld xmlns:a="http://schemas.openxmlformats.org/drawingml/2006/main" xmlns:r="http://schemas.openxmlformats.org/officeDocument/2006/relationships" xmlns:p="http://schemas.openxmlformats.org/presentationml/2006/main">
+  <p:cSld>
+    <p:spTree>
+      <p:nvGrpSpPr>
+        <p:cNvPr id="1" name=""/>
+        <p:cNvGrpSpPr/>
+        <p:nvPr/>
+      </p:nvGrpSpPr>
+      <p:grpSpPr>
+        <a:xfrm>
+          <a:off x="0" y="0"/>
+          <a:ext cx="0" cy="0"/>
+          <a:chOff x="0" y="0"/>
+          <a:chExt cx="0" cy="0"/>
+        </a:xfrm>
+      </p:grpSpPr>
+      <p:sp>
+        <p:nvSpPr>
+          <p:cNvPr id="2" name="Title 1"/>
+          <p:cNvSpPr>
+            <a:spLocks noGrp="1"/>
+          </p:cNvSpPr>
+          <p:nvPr>
+            <p:ph type="title"/>
+          </p:nvPr>
+        </p:nvSpPr>
+        <p:spPr/>
+        <p:txBody>
+          <a:bodyPr/>
+          <a:lstStyle/>
+          <a:p>
+            <a:r>
+              <a:rPr lang="en-US" dirty="0" smtClean="0"/>
               <a:t>Database Schema</a:t>
             </a:r>
             <a:endParaRPr lang="en-US" dirty="0"/>
@@ -3297,192 +3446,6 @@
 </p:sld>
 </file>
 
-<file path=ppt/slides/slide12.xml><?xml version="1.0" encoding="utf-8"?>
-<p:sld xmlns:a="http://schemas.openxmlformats.org/drawingml/2006/main" xmlns:r="http://schemas.openxmlformats.org/officeDocument/2006/relationships" xmlns:p="http://schemas.openxmlformats.org/presentationml/2006/main">
-  <p:cSld>
-    <p:spTree>
-      <p:nvGrpSpPr>
-        <p:cNvPr id="1" name=""/>
-        <p:cNvGrpSpPr/>
-        <p:nvPr/>
-      </p:nvGrpSpPr>
-      <p:grpSpPr>
-        <a:xfrm>
-          <a:off x="0" y="0"/>
-          <a:ext cx="0" cy="0"/>
-          <a:chOff x="0" y="0"/>
-          <a:chExt cx="0" cy="0"/>
-        </a:xfrm>
-      </p:grpSpPr>
-      <p:sp>
-        <p:nvSpPr>
-          <p:cNvPr id="2" name="Title 1"/>
-          <p:cNvSpPr>
-            <a:spLocks noGrp="1"/>
-          </p:cNvSpPr>
-          <p:nvPr>
-            <p:ph type="title"/>
-          </p:nvPr>
-        </p:nvSpPr>
-        <p:spPr/>
-        <p:txBody>
-          <a:bodyPr/>
-          <a:lstStyle/>
-          <a:p>
-            <a:r>
-              <a:rPr lang="en-US" dirty="0" smtClean="0"/>
-              <a:t>PERSON_VIEW select part</a:t>
-            </a:r>
-            <a:endParaRPr lang="en-US" dirty="0"/>
-          </a:p>
-        </p:txBody>
-      </p:sp>
-      <p:sp>
-        <p:nvSpPr>
-          <p:cNvPr id="3" name="Content Placeholder 2"/>
-          <p:cNvSpPr>
-            <a:spLocks noGrp="1"/>
-          </p:cNvSpPr>
-          <p:nvPr>
-            <p:ph idx="1"/>
-          </p:nvPr>
-        </p:nvSpPr>
-        <p:spPr/>
-        <p:txBody>
-          <a:bodyPr>
-            <a:normAutofit fontScale="77500" lnSpcReduction="20000"/>
-          </a:bodyPr>
-          <a:lstStyle/>
-          <a:p>
-            <a:pPr marL="0" indent="0">
-              <a:buNone/>
-            </a:pPr>
-            <a:r>
-              <a:rPr lang="en-US" dirty="0" smtClean="0"/>
-              <a:t> SELECT</a:t>
-            </a:r>
-          </a:p>
-          <a:p>
-            <a:pPr marL="0" indent="0">
-              <a:buNone/>
-            </a:pPr>
-            <a:r>
-              <a:rPr lang="en-US" dirty="0" smtClean="0"/>
-              <a:t>    P.ID,</a:t>
-            </a:r>
-          </a:p>
-          <a:p>
-            <a:pPr marL="0" indent="0">
-              <a:buNone/>
-            </a:pPr>
-            <a:r>
-              <a:rPr lang="en-US" dirty="0" smtClean="0"/>
-              <a:t>    DAD.ID AS FATHER_ID,</a:t>
-            </a:r>
-          </a:p>
-          <a:p>
-            <a:pPr marL="0" indent="0">
-              <a:buNone/>
-            </a:pPr>
-            <a:r>
-              <a:rPr lang="en-US" dirty="0" smtClean="0"/>
-              <a:t>    DAD.NAME AS FATHER_NAME,</a:t>
-            </a:r>
-          </a:p>
-          <a:p>
-            <a:pPr marL="0" indent="0">
-              <a:buNone/>
-            </a:pPr>
-            <a:r>
-              <a:rPr lang="en-US" dirty="0" smtClean="0"/>
-              <a:t>    MOM.ID AS MOTHER_ID,</a:t>
-            </a:r>
-          </a:p>
-          <a:p>
-            <a:pPr marL="0" indent="0">
-              <a:buNone/>
-            </a:pPr>
-            <a:r>
-              <a:rPr lang="en-US" dirty="0" smtClean="0"/>
-              <a:t>    MOM.NAME AS MOTHER_NAME,</a:t>
-            </a:r>
-          </a:p>
-          <a:p>
-            <a:pPr marL="0" indent="0">
-              <a:buNone/>
-            </a:pPr>
-            <a:r>
-              <a:rPr lang="en-US" dirty="0" smtClean="0"/>
-              <a:t>    P.NAME,</a:t>
-            </a:r>
-          </a:p>
-          <a:p>
-            <a:pPr marL="0" indent="0">
-              <a:buNone/>
-            </a:pPr>
-            <a:r>
-              <a:rPr lang="en-US" dirty="0" smtClean="0"/>
-              <a:t>    GENDER.FULL_WORD AS GENDER,</a:t>
-            </a:r>
-          </a:p>
-          <a:p>
-            <a:pPr marL="0" indent="0">
-              <a:buNone/>
-            </a:pPr>
-            <a:r>
-              <a:rPr lang="en-US" dirty="0" smtClean="0"/>
-              <a:t>    B_PLACE.NAME AS PLACE_OF_BIRTH,</a:t>
-            </a:r>
-          </a:p>
-          <a:p>
-            <a:pPr marL="0" indent="0">
-              <a:buNone/>
-            </a:pPr>
-            <a:r>
-              <a:rPr lang="en-US" dirty="0" smtClean="0"/>
-              <a:t>    BIRTH."DATE" AS DATE_OF_BIRTH,</a:t>
-            </a:r>
-          </a:p>
-          <a:p>
-            <a:pPr marL="0" indent="0">
-              <a:buNone/>
-            </a:pPr>
-            <a:r>
-              <a:rPr lang="en-US" dirty="0" smtClean="0"/>
-              <a:t>    D_PLACE.NAME AS PLACE_OF_DEATH,</a:t>
-            </a:r>
-          </a:p>
-          <a:p>
-            <a:pPr marL="0" indent="0">
-              <a:buNone/>
-            </a:pPr>
-            <a:r>
-              <a:rPr lang="en-US" dirty="0" smtClean="0"/>
-              <a:t>    DEATH."DATE" AS DATE_OF_DEATH</a:t>
-            </a:r>
-          </a:p>
-        </p:txBody>
-      </p:sp>
-    </p:spTree>
-    <p:extLst>
-      <p:ext uri="{BB962C8B-B14F-4D97-AF65-F5344CB8AC3E}">
-        <p14:creationId xmlns:p14="http://schemas.microsoft.com/office/powerpoint/2010/main" val="770858883"/>
-      </p:ext>
-    </p:extLst>
-  </p:cSld>
-  <p:clrMapOvr>
-    <a:masterClrMapping/>
-  </p:clrMapOvr>
-  <p:timing>
-    <p:tnLst>
-      <p:par>
-        <p:cTn id="1" dur="indefinite" restart="never" nodeType="tmRoot"/>
-      </p:par>
-    </p:tnLst>
-  </p:timing>
-</p:sld>
-</file>
-
 <file path=ppt/slides/slide13.xml><?xml version="1.0" encoding="utf-8"?>
 <p:sld xmlns:a="http://schemas.openxmlformats.org/drawingml/2006/main" xmlns:r="http://schemas.openxmlformats.org/officeDocument/2006/relationships" xmlns:p="http://schemas.openxmlformats.org/presentationml/2006/main">
   <p:cSld>
@@ -3517,7 +3480,7 @@
           <a:p>
             <a:r>
               <a:rPr lang="en-US" dirty="0" smtClean="0"/>
-              <a:t>PERSON_VIEW from part</a:t>
+              <a:t>PERSON_VIEW select part</a:t>
             </a:r>
             <a:endParaRPr lang="en-US" dirty="0"/>
           </a:p>
@@ -3536,7 +3499,7 @@
         <p:spPr/>
         <p:txBody>
           <a:bodyPr>
-            <a:normAutofit fontScale="85000" lnSpcReduction="20000"/>
+            <a:normAutofit fontScale="77500" lnSpcReduction="20000"/>
           </a:bodyPr>
           <a:lstStyle/>
           <a:p>
@@ -3545,7 +3508,7 @@
             </a:pPr>
             <a:r>
               <a:rPr lang="en-US" dirty="0" smtClean="0"/>
-              <a:t>FROM</a:t>
+              <a:t> SELECT</a:t>
             </a:r>
           </a:p>
           <a:p>
@@ -3554,7 +3517,7 @@
             </a:pPr>
             <a:r>
               <a:rPr lang="en-US" dirty="0" smtClean="0"/>
-              <a:t>    PERSON P,</a:t>
+              <a:t>    P.ID,</a:t>
             </a:r>
           </a:p>
           <a:p>
@@ -3563,7 +3526,7 @@
             </a:pPr>
             <a:r>
               <a:rPr lang="en-US" dirty="0" smtClean="0"/>
-              <a:t>    PERSON DAD,</a:t>
+              <a:t>    DAD.ID AS FATHER_ID,</a:t>
             </a:r>
           </a:p>
           <a:p>
@@ -3572,7 +3535,7 @@
             </a:pPr>
             <a:r>
               <a:rPr lang="en-US" dirty="0" smtClean="0"/>
-              <a:t>    PERSON MOM,</a:t>
+              <a:t>    DAD.NAME AS FATHER_NAME,</a:t>
             </a:r>
           </a:p>
           <a:p>
@@ -3581,7 +3544,7 @@
             </a:pPr>
             <a:r>
               <a:rPr lang="en-US" dirty="0" smtClean="0"/>
-              <a:t>    MOTHER_OF,</a:t>
+              <a:t>    MOM.ID AS MOTHER_ID,</a:t>
             </a:r>
           </a:p>
           <a:p>
@@ -3590,7 +3553,7 @@
             </a:pPr>
             <a:r>
               <a:rPr lang="en-US" dirty="0" smtClean="0"/>
-              <a:t>    FATHER_OF,</a:t>
+              <a:t>    MOM.NAME AS MOTHER_NAME,</a:t>
             </a:r>
           </a:p>
           <a:p>
@@ -3599,7 +3562,7 @@
             </a:pPr>
             <a:r>
               <a:rPr lang="en-US" dirty="0" smtClean="0"/>
-              <a:t>    BIRTH,</a:t>
+              <a:t>    P.NAME,</a:t>
             </a:r>
           </a:p>
           <a:p>
@@ -3608,7 +3571,7 @@
             </a:pPr>
             <a:r>
               <a:rPr lang="en-US" dirty="0" smtClean="0"/>
-              <a:t>    DEATH,</a:t>
+              <a:t>    GENDER.FULL_WORD AS GENDER,</a:t>
             </a:r>
           </a:p>
           <a:p>
@@ -3617,7 +3580,7 @@
             </a:pPr>
             <a:r>
               <a:rPr lang="en-US" dirty="0" smtClean="0"/>
-              <a:t>    PLACE B_PLACE,</a:t>
+              <a:t>    B_PLACE.NAME AS PLACE_OF_BIRTH,</a:t>
             </a:r>
           </a:p>
           <a:p>
@@ -3626,7 +3589,7 @@
             </a:pPr>
             <a:r>
               <a:rPr lang="en-US" dirty="0" smtClean="0"/>
-              <a:t>    PLACE D_PLACE,</a:t>
+              <a:t>    BIRTH."DATE" AS DATE_OF_BIRTH,</a:t>
             </a:r>
           </a:p>
           <a:p>
@@ -3635,7 +3598,16 @@
             </a:pPr>
             <a:r>
               <a:rPr lang="en-US" dirty="0" smtClean="0"/>
-              <a:t>    GENDER</a:t>
+              <a:t>    D_PLACE.NAME AS PLACE_OF_DEATH,</a:t>
+            </a:r>
+          </a:p>
+          <a:p>
+            <a:pPr marL="0" indent="0">
+              <a:buNone/>
+            </a:pPr>
+            <a:r>
+              <a:rPr lang="en-US" dirty="0" smtClean="0"/>
+              <a:t>    DEATH."DATE" AS DATE_OF_DEATH</a:t>
             </a:r>
           </a:p>
         </p:txBody>
@@ -3643,7 +3615,7 @@
     </p:spTree>
     <p:extLst>
       <p:ext uri="{BB962C8B-B14F-4D97-AF65-F5344CB8AC3E}">
-        <p14:creationId xmlns:p14="http://schemas.microsoft.com/office/powerpoint/2010/main" val="2189327350"/>
+        <p14:creationId xmlns:p14="http://schemas.microsoft.com/office/powerpoint/2010/main" val="770858883"/>
       </p:ext>
     </p:extLst>
   </p:cSld>
@@ -3694,7 +3666,7 @@
           <a:p>
             <a:r>
               <a:rPr lang="en-US" dirty="0" smtClean="0"/>
-              <a:t>PERSON_VIEW where part</a:t>
+              <a:t>PERSON_VIEW from part</a:t>
             </a:r>
             <a:endParaRPr lang="en-US" dirty="0"/>
           </a:p>
@@ -3713,7 +3685,7 @@
         <p:spPr/>
         <p:txBody>
           <a:bodyPr>
-            <a:normAutofit lnSpcReduction="10000"/>
+            <a:normAutofit fontScale="85000" lnSpcReduction="20000"/>
           </a:bodyPr>
           <a:lstStyle/>
           <a:p>
@@ -3722,7 +3694,7 @@
             </a:pPr>
             <a:r>
               <a:rPr lang="en-US" dirty="0" smtClean="0"/>
-              <a:t>WHERE   P.GENDER = GENDER.ABBR</a:t>
+              <a:t>FROM</a:t>
             </a:r>
           </a:p>
           <a:p>
@@ -3731,7 +3703,7 @@
             </a:pPr>
             <a:r>
               <a:rPr lang="en-US" dirty="0" smtClean="0"/>
-              <a:t>AND     FATHER_OF.FATHER_ID = DAD.ID (+)</a:t>
+              <a:t>    PERSON P,</a:t>
             </a:r>
           </a:p>
           <a:p>
@@ -3740,7 +3712,7 @@
             </a:pPr>
             <a:r>
               <a:rPr lang="en-US" dirty="0" smtClean="0"/>
-              <a:t>AND     MOTHER_OF.MOTHER_ID = MOM.ID (+)</a:t>
+              <a:t>    PERSON DAD,</a:t>
             </a:r>
           </a:p>
           <a:p>
@@ -3749,7 +3721,7 @@
             </a:pPr>
             <a:r>
               <a:rPr lang="en-US" dirty="0" smtClean="0"/>
-              <a:t>AND     P.ID = FATHER_OF.CHILD_ID (+)</a:t>
+              <a:t>    PERSON MOM,</a:t>
             </a:r>
           </a:p>
           <a:p>
@@ -3758,7 +3730,7 @@
             </a:pPr>
             <a:r>
               <a:rPr lang="en-US" dirty="0" smtClean="0"/>
-              <a:t>AND     P.ID = MOTHER_OF.CHILD_ID (+)</a:t>
+              <a:t>    MOTHER_OF,</a:t>
             </a:r>
           </a:p>
           <a:p>
@@ -3767,7 +3739,7 @@
             </a:pPr>
             <a:r>
               <a:rPr lang="en-US" dirty="0" smtClean="0"/>
-              <a:t>AND     P.ID = BIRTH.PERSON_ID (+)</a:t>
+              <a:t>    FATHER_OF,</a:t>
             </a:r>
           </a:p>
           <a:p>
@@ -3776,7 +3748,7 @@
             </a:pPr>
             <a:r>
               <a:rPr lang="en-US" dirty="0" smtClean="0"/>
-              <a:t>AND     P.ID = DEATH.PERSON_ID (+)</a:t>
+              <a:t>    BIRTH,</a:t>
             </a:r>
           </a:p>
           <a:p>
@@ -3785,7 +3757,7 @@
             </a:pPr>
             <a:r>
               <a:rPr lang="en-US" dirty="0" smtClean="0"/>
-              <a:t>AND     BIRTH.PLACE_ID = B_PLACE.ID (+)</a:t>
+              <a:t>    DEATH,</a:t>
             </a:r>
           </a:p>
           <a:p>
@@ -3794,21 +3766,33 @@
             </a:pPr>
             <a:r>
               <a:rPr lang="en-US" dirty="0" smtClean="0"/>
-              <a:t>AND     DEATH.PLACE_ID = D_PLACE.ID (+);</a:t>
+              <a:t>    PLACE B_PLACE,</a:t>
             </a:r>
           </a:p>
           <a:p>
             <a:pPr marL="0" indent="0">
               <a:buNone/>
             </a:pPr>
-            <a:endParaRPr lang="en-US" dirty="0"/>
+            <a:r>
+              <a:rPr lang="en-US" dirty="0" smtClean="0"/>
+              <a:t>    PLACE D_PLACE,</a:t>
+            </a:r>
+          </a:p>
+          <a:p>
+            <a:pPr marL="0" indent="0">
+              <a:buNone/>
+            </a:pPr>
+            <a:r>
+              <a:rPr lang="en-US" dirty="0" smtClean="0"/>
+              <a:t>    GENDER</a:t>
+            </a:r>
           </a:p>
         </p:txBody>
       </p:sp>
     </p:spTree>
     <p:extLst>
       <p:ext uri="{BB962C8B-B14F-4D97-AF65-F5344CB8AC3E}">
-        <p14:creationId xmlns:p14="http://schemas.microsoft.com/office/powerpoint/2010/main" val="297886088"/>
+        <p14:creationId xmlns:p14="http://schemas.microsoft.com/office/powerpoint/2010/main" val="2189327350"/>
       </p:ext>
     </p:extLst>
   </p:cSld>
@@ -3859,7 +3843,7 @@
           <a:p>
             <a:r>
               <a:rPr lang="en-US" dirty="0" smtClean="0"/>
-              <a:t>Import Example</a:t>
+              <a:t>PERSON_VIEW where part</a:t>
             </a:r>
             <a:endParaRPr lang="en-US" dirty="0"/>
           </a:p>
@@ -3872,95 +3856,108 @@
             <a:spLocks noGrp="1"/>
           </p:cNvSpPr>
           <p:nvPr>
-            <p:ph sz="half" idx="1"/>
-          </p:nvPr>
-        </p:nvSpPr>
-        <p:spPr/>
-        <p:txBody>
-          <a:bodyPr/>
-          <a:lstStyle/>
-          <a:p>
-            <a:r>
-              <a:rPr lang="en-US" dirty="0" smtClean="0"/>
-              <a:t>First clear database:</a:t>
-            </a:r>
-          </a:p>
-          <a:p>
-            <a:pPr lvl="1"/>
-            <a:r>
-              <a:rPr lang="en-US" dirty="0" smtClean="0"/>
-              <a:t>DELETE FROM PERSON;</a:t>
-            </a:r>
-          </a:p>
-          <a:p>
-            <a:pPr lvl="1"/>
-            <a:r>
-              <a:rPr lang="en-US" dirty="0" smtClean="0"/>
-              <a:t>DELETE FROM PLACE;</a:t>
-            </a:r>
-          </a:p>
-          <a:p>
-            <a:r>
-              <a:rPr lang="en-US" dirty="0" smtClean="0"/>
-              <a:t>Then:</a:t>
-            </a:r>
-          </a:p>
-          <a:p>
-            <a:pPr lvl="1"/>
-            <a:r>
-              <a:rPr lang="en-US" dirty="0" smtClean="0"/>
-              <a:t>Run GedcomImporter.java</a:t>
-            </a:r>
-          </a:p>
-          <a:p>
-            <a:r>
-              <a:rPr lang="en-US" dirty="0" smtClean="0"/>
-              <a:t>May need to reset Oracle if </a:t>
-            </a:r>
-            <a:r>
-              <a:rPr lang="en-US" dirty="0" err="1" smtClean="0"/>
-              <a:t>sqldeveloper</a:t>
-            </a:r>
-            <a:r>
-              <a:rPr lang="en-US" dirty="0" smtClean="0"/>
-              <a:t> locked a row….</a:t>
-            </a:r>
-          </a:p>
-          <a:p>
+            <p:ph idx="1"/>
+          </p:nvPr>
+        </p:nvSpPr>
+        <p:spPr/>
+        <p:txBody>
+          <a:bodyPr>
+            <a:normAutofit lnSpcReduction="10000"/>
+          </a:bodyPr>
+          <a:lstStyle/>
+          <a:p>
+            <a:pPr marL="0" indent="0">
+              <a:buNone/>
+            </a:pPr>
+            <a:r>
+              <a:rPr lang="en-US" dirty="0" smtClean="0"/>
+              <a:t>WHERE   P.GENDER = GENDER.ABBR</a:t>
+            </a:r>
+          </a:p>
+          <a:p>
+            <a:pPr marL="0" indent="0">
+              <a:buNone/>
+            </a:pPr>
+            <a:r>
+              <a:rPr lang="en-US" dirty="0" smtClean="0"/>
+              <a:t>AND     FATHER_OF.FATHER_ID = DAD.ID (+)</a:t>
+            </a:r>
+          </a:p>
+          <a:p>
+            <a:pPr marL="0" indent="0">
+              <a:buNone/>
+            </a:pPr>
+            <a:r>
+              <a:rPr lang="en-US" dirty="0" smtClean="0"/>
+              <a:t>AND     MOTHER_OF.MOTHER_ID = MOM.ID (+)</a:t>
+            </a:r>
+          </a:p>
+          <a:p>
+            <a:pPr marL="0" indent="0">
+              <a:buNone/>
+            </a:pPr>
+            <a:r>
+              <a:rPr lang="en-US" dirty="0" smtClean="0"/>
+              <a:t>AND     P.ID = FATHER_OF.CHILD_ID (+)</a:t>
+            </a:r>
+          </a:p>
+          <a:p>
+            <a:pPr marL="0" indent="0">
+              <a:buNone/>
+            </a:pPr>
+            <a:r>
+              <a:rPr lang="en-US" dirty="0" smtClean="0"/>
+              <a:t>AND     P.ID = MOTHER_OF.CHILD_ID (+)</a:t>
+            </a:r>
+          </a:p>
+          <a:p>
+            <a:pPr marL="0" indent="0">
+              <a:buNone/>
+            </a:pPr>
+            <a:r>
+              <a:rPr lang="en-US" dirty="0" smtClean="0"/>
+              <a:t>AND     P.ID = BIRTH.PERSON_ID (+)</a:t>
+            </a:r>
+          </a:p>
+          <a:p>
+            <a:pPr marL="0" indent="0">
+              <a:buNone/>
+            </a:pPr>
+            <a:r>
+              <a:rPr lang="en-US" dirty="0" smtClean="0"/>
+              <a:t>AND     P.ID = DEATH.PERSON_ID (+)</a:t>
+            </a:r>
+          </a:p>
+          <a:p>
+            <a:pPr marL="0" indent="0">
+              <a:buNone/>
+            </a:pPr>
+            <a:r>
+              <a:rPr lang="en-US" dirty="0" smtClean="0"/>
+              <a:t>AND     BIRTH.PLACE_ID = B_PLACE.ID (+)</a:t>
+            </a:r>
+          </a:p>
+          <a:p>
+            <a:pPr marL="0" indent="0">
+              <a:buNone/>
+            </a:pPr>
+            <a:r>
+              <a:rPr lang="en-US" dirty="0" smtClean="0"/>
+              <a:t>AND     DEATH.PLACE_ID = D_PLACE.ID (+);</a:t>
+            </a:r>
+          </a:p>
+          <a:p>
+            <a:pPr marL="0" indent="0">
+              <a:buNone/>
+            </a:pPr>
             <a:endParaRPr lang="en-US" dirty="0"/>
           </a:p>
         </p:txBody>
       </p:sp>
-      <p:pic>
-        <p:nvPicPr>
-          <p:cNvPr id="5" name="Content Placeholder 4"/>
-          <p:cNvPicPr>
-            <a:picLocks noGrp="1" noChangeAspect="1"/>
-          </p:cNvPicPr>
-          <p:nvPr>
-            <p:ph sz="half" idx="2"/>
-          </p:nvPr>
-        </p:nvPicPr>
-        <p:blipFill>
-          <a:blip r:embed="rId2"/>
-          <a:stretch>
-            <a:fillRect/>
-          </a:stretch>
-        </p:blipFill>
-        <p:spPr>
-          <a:xfrm>
-            <a:off x="6172200" y="2608739"/>
-            <a:ext cx="5181600" cy="2785110"/>
-          </a:xfrm>
-          <a:prstGeom prst="rect">
-            <a:avLst/>
-          </a:prstGeom>
-        </p:spPr>
-      </p:pic>
     </p:spTree>
     <p:extLst>
       <p:ext uri="{BB962C8B-B14F-4D97-AF65-F5344CB8AC3E}">
-        <p14:creationId xmlns:p14="http://schemas.microsoft.com/office/powerpoint/2010/main" val="1488637982"/>
+        <p14:creationId xmlns:p14="http://schemas.microsoft.com/office/powerpoint/2010/main" val="297886088"/>
       </p:ext>
     </p:extLst>
   </p:cSld>
@@ -3974,6 +3971,126 @@
       </p:par>
     </p:tnLst>
   </p:timing>
+</p:sld>
+</file>
+
+<file path=ppt/slides/slide16.xml><?xml version="1.0" encoding="utf-8"?>
+<p:sld xmlns:a="http://schemas.openxmlformats.org/drawingml/2006/main" xmlns:r="http://schemas.openxmlformats.org/officeDocument/2006/relationships" xmlns:p="http://schemas.openxmlformats.org/presentationml/2006/main">
+  <p:cSld>
+    <p:spTree>
+      <p:nvGrpSpPr>
+        <p:cNvPr id="1" name=""/>
+        <p:cNvGrpSpPr/>
+        <p:nvPr/>
+      </p:nvGrpSpPr>
+      <p:grpSpPr>
+        <a:xfrm>
+          <a:off x="0" y="0"/>
+          <a:ext cx="0" cy="0"/>
+          <a:chOff x="0" y="0"/>
+          <a:chExt cx="0" cy="0"/>
+        </a:xfrm>
+      </p:grpSpPr>
+      <p:sp>
+        <p:nvSpPr>
+          <p:cNvPr id="2" name="Title 1"/>
+          <p:cNvSpPr>
+            <a:spLocks noGrp="1"/>
+          </p:cNvSpPr>
+          <p:nvPr>
+            <p:ph type="title"/>
+          </p:nvPr>
+        </p:nvSpPr>
+        <p:spPr/>
+        <p:txBody>
+          <a:bodyPr/>
+          <a:lstStyle/>
+          <a:p>
+            <a:r>
+              <a:rPr lang="en-US" dirty="0" smtClean="0"/>
+              <a:t>Other Database stuff</a:t>
+            </a:r>
+            <a:endParaRPr lang="en-US" dirty="0"/>
+          </a:p>
+        </p:txBody>
+      </p:sp>
+      <p:sp>
+        <p:nvSpPr>
+          <p:cNvPr id="3" name="Content Placeholder 2"/>
+          <p:cNvSpPr>
+            <a:spLocks noGrp="1"/>
+          </p:cNvSpPr>
+          <p:nvPr>
+            <p:ph idx="1"/>
+          </p:nvPr>
+        </p:nvSpPr>
+        <p:spPr/>
+        <p:txBody>
+          <a:bodyPr/>
+          <a:lstStyle/>
+          <a:p>
+            <a:r>
+              <a:rPr lang="en-US" dirty="0"/>
+              <a:t>PROCEDURE INSERT_OR_UPDATE_BIRTH </a:t>
+            </a:r>
+            <a:endParaRPr lang="en-US" dirty="0" smtClean="0"/>
+          </a:p>
+          <a:p>
+            <a:r>
+              <a:rPr lang="en-US" dirty="0"/>
+              <a:t>TRIGGER </a:t>
+            </a:r>
+            <a:r>
+              <a:rPr lang="en-US" dirty="0" smtClean="0"/>
+              <a:t>PERSON_VIEW_INSERT_TRIGGER</a:t>
+            </a:r>
+          </a:p>
+          <a:p>
+            <a:r>
+              <a:rPr lang="en-US" dirty="0"/>
+              <a:t>TRIGGER "</a:t>
+            </a:r>
+            <a:r>
+              <a:rPr lang="en-US" dirty="0" smtClean="0"/>
+              <a:t>PERSON_SEQ_TRIGGER“</a:t>
+            </a:r>
+          </a:p>
+          <a:p>
+            <a:r>
+              <a:rPr lang="en-US" dirty="0" smtClean="0"/>
+              <a:t>SEQUENCE_PERSON</a:t>
+            </a:r>
+          </a:p>
+          <a:p>
+            <a:r>
+              <a:rPr lang="en-US" dirty="0" smtClean="0"/>
+              <a:t>CHILDREN_VIEW</a:t>
+            </a:r>
+          </a:p>
+          <a:p>
+            <a:r>
+              <a:rPr lang="en-US" dirty="0" smtClean="0"/>
+              <a:t>MARRIAGE_VIEW</a:t>
+            </a:r>
+          </a:p>
+          <a:p>
+            <a:r>
+              <a:rPr lang="en-US"/>
+              <a:t>CUSTOM_DATE</a:t>
+            </a:r>
+          </a:p>
+        </p:txBody>
+      </p:sp>
+    </p:spTree>
+    <p:extLst>
+      <p:ext uri="{BB962C8B-B14F-4D97-AF65-F5344CB8AC3E}">
+        <p14:creationId xmlns:p14="http://schemas.microsoft.com/office/powerpoint/2010/main" val="3037457953"/>
+      </p:ext>
+    </p:extLst>
+  </p:cSld>
+  <p:clrMapOvr>
+    <a:masterClrMapping/>
+  </p:clrMapOvr>
 </p:sld>
 </file>
 
